--- a/clase_6/teoria/Clase_6.pptx
+++ b/clase_6/teoria/Clase_6.pptx
@@ -306,22 +306,46 @@
       </p15:sldGuideLst>
     </p:ext>
     <p:ext uri="GoogleSlidesCustomDataVersion2">
-      <go:slidesCustomData xmlns="" xmlns:mc="http://schemas.openxmlformats.org/markup-compatibility/2006" xmlns:mv="urn:schemas-microsoft-com:mac:vml" xmlns:c="http://schemas.openxmlformats.org/drawingml/2006/chart" xmlns:dgm="http://schemas.openxmlformats.org/drawingml/2006/diagram" xmlns:o="urn:schemas-microsoft-com:office:office" xmlns:v="urn:schemas-microsoft-com:vml" xmlns:pvml="urn:schemas-microsoft-com:office:powerpoint" xmlns:com="http://schemas.openxmlformats.org/drawingml/2006/compatibility" xmlns:p14="http://schemas.microsoft.com/office/powerpoint/2010/main" xmlns:p15="http://schemas.microsoft.com/office/powerpoint/2012/main" xmlns:ahyp="http://schemas.microsoft.com/office/drawing/2018/hyperlinkcolor" xmlns:go="http://customooxmlschemas.google.com/" r:id="rId48" roundtripDataSignature="AMtx7mi43qeBuG6xuqWiq1Kh9QyGOyIiNg=="/>
+      <go:slidesCustomData xmlns:go="http://customooxmlschemas.google.com/" xmlns:ahyp="http://schemas.microsoft.com/office/drawing/2018/hyperlinkcolor" xmlns:p15="http://schemas.microsoft.com/office/powerpoint/2012/main" xmlns:p14="http://schemas.microsoft.com/office/powerpoint/2010/main" xmlns:com="http://schemas.openxmlformats.org/drawingml/2006/compatibility" xmlns:pvml="urn:schemas-microsoft-com:office:powerpoint" xmlns:v="urn:schemas-microsoft-com:vml" xmlns:o="urn:schemas-microsoft-com:office:office" xmlns:dgm="http://schemas.openxmlformats.org/drawingml/2006/diagram" xmlns:c="http://schemas.openxmlformats.org/drawingml/2006/chart" xmlns:mv="urn:schemas-microsoft-com:mac:vml" xmlns:mc="http://schemas.openxmlformats.org/markup-compatibility/2006" xmlns="" r:id="rId48" roundtripDataSignature="AMtx7mi43qeBuG6xuqWiq1Kh9QyGOyIiNg=="/>
     </p:ext>
   </p:extLst>
 </p:presentation>
 </file>
 
-<file path=ppt/revisionInfo.xml><?xml version="1.0" encoding="utf-8"?>
-<p1510:revInfo xmlns:a="http://schemas.openxmlformats.org/drawingml/2006/main" xmlns:r="http://schemas.openxmlformats.org/officeDocument/2006/relationships" xmlns:p1510="http://schemas.microsoft.com/office/powerpoint/2015/10/main">
-  <p1510:revLst>
-    <p1510:client id="{99863556-EDB4-416E-A189-D7BEBC9D2890}" v="8" dt="2025-04-08T20:00:38.035"/>
-  </p1510:revLst>
-</p1510:revInfo>
-</file>
-
 <file path=ppt/changesInfos/changesInfo1.xml><?xml version="1.0" encoding="utf-8"?>
 <pc:chgInfo xmlns:a="http://schemas.openxmlformats.org/drawingml/2006/main" xmlns:r="http://schemas.openxmlformats.org/officeDocument/2006/relationships" xmlns:ac="http://schemas.microsoft.com/office/drawing/2013/main/command" xmlns:pc="http://schemas.microsoft.com/office/powerpoint/2013/main/command">
+  <pc:docChgLst>
+    <pc:chgData name="Marcos Maillot" userId="fa14b39d-e966-4ebb-a436-4f96f84b9577" providerId="ADAL" clId="{7C9B03B3-4DBB-48A5-996A-D234D8E380B0}"/>
+    <pc:docChg chg="custSel modSld">
+      <pc:chgData name="Marcos Maillot" userId="fa14b39d-e966-4ebb-a436-4f96f84b9577" providerId="ADAL" clId="{7C9B03B3-4DBB-48A5-996A-D234D8E380B0}" dt="2025-06-03T14:24:31.393" v="36" actId="20577"/>
+      <pc:docMkLst>
+        <pc:docMk/>
+      </pc:docMkLst>
+      <pc:sldChg chg="modSp mod">
+        <pc:chgData name="Marcos Maillot" userId="fa14b39d-e966-4ebb-a436-4f96f84b9577" providerId="ADAL" clId="{7C9B03B3-4DBB-48A5-996A-D234D8E380B0}" dt="2025-06-03T14:24:31.393" v="36" actId="20577"/>
+        <pc:sldMkLst>
+          <pc:docMk/>
+          <pc:sldMk cId="0" sldId="257"/>
+        </pc:sldMkLst>
+        <pc:spChg chg="mod">
+          <ac:chgData name="Marcos Maillot" userId="fa14b39d-e966-4ebb-a436-4f96f84b9577" providerId="ADAL" clId="{7C9B03B3-4DBB-48A5-996A-D234D8E380B0}" dt="2025-06-03T14:20:06.666" v="22" actId="20577"/>
+          <ac:spMkLst>
+            <pc:docMk/>
+            <pc:sldMk cId="0" sldId="257"/>
+            <ac:spMk id="82" creationId="{00000000-0000-0000-0000-000000000000}"/>
+          </ac:spMkLst>
+        </pc:spChg>
+        <pc:spChg chg="mod">
+          <ac:chgData name="Marcos Maillot" userId="fa14b39d-e966-4ebb-a436-4f96f84b9577" providerId="ADAL" clId="{7C9B03B3-4DBB-48A5-996A-D234D8E380B0}" dt="2025-06-03T14:24:31.393" v="36" actId="20577"/>
+          <ac:spMkLst>
+            <pc:docMk/>
+            <pc:sldMk cId="0" sldId="257"/>
+            <ac:spMk id="84" creationId="{00000000-0000-0000-0000-000000000000}"/>
+          </ac:spMkLst>
+        </pc:spChg>
+      </pc:sldChg>
+    </pc:docChg>
+  </pc:docChgLst>
   <pc:docChgLst>
     <pc:chgData name="Marcos Maillot" userId="fa14b39d-e966-4ebb-a436-4f96f84b9577" providerId="ADAL" clId="{6875A249-7888-4363-9F92-056EB10F7CD5}"/>
     <pc:docChg chg="custSel addSld modSld">
@@ -417,14 +441,6 @@
           <pc:docMk/>
           <pc:sldMk cId="0" sldId="272"/>
         </pc:sldMkLst>
-        <pc:spChg chg="add del">
-          <ac:chgData name="Marcos Maillot" userId="fa14b39d-e966-4ebb-a436-4f96f84b9577" providerId="ADAL" clId="{99863556-EDB4-416E-A189-D7BEBC9D2890}" dt="2025-04-08T19:48:44.570" v="80" actId="478"/>
-          <ac:spMkLst>
-            <pc:docMk/>
-            <pc:sldMk cId="0" sldId="272"/>
-            <ac:spMk id="3" creationId="{899DED05-402B-B716-4F97-AD78274BF56E}"/>
-          </ac:spMkLst>
-        </pc:spChg>
       </pc:sldChg>
       <pc:sldChg chg="ord modNotes">
         <pc:chgData name="Marcos Maillot" userId="fa14b39d-e966-4ebb-a436-4f96f84b9577" providerId="ADAL" clId="{99863556-EDB4-416E-A189-D7BEBC9D2890}" dt="2025-04-08T19:42:14.891" v="77"/>
@@ -439,22 +455,6 @@
           <pc:docMk/>
           <pc:sldMk cId="3064181911" sldId="295"/>
         </pc:sldMkLst>
-        <pc:spChg chg="del">
-          <ac:chgData name="Marcos Maillot" userId="fa14b39d-e966-4ebb-a436-4f96f84b9577" providerId="ADAL" clId="{99863556-EDB4-416E-A189-D7BEBC9D2890}" dt="2025-04-08T19:48:49.240" v="81" actId="478"/>
-          <ac:spMkLst>
-            <pc:docMk/>
-            <pc:sldMk cId="3064181911" sldId="295"/>
-            <ac:spMk id="3" creationId="{0C262A9C-495F-BD05-0676-3CBD2D138E30}"/>
-          </ac:spMkLst>
-        </pc:spChg>
-        <pc:spChg chg="add del mod">
-          <ac:chgData name="Marcos Maillot" userId="fa14b39d-e966-4ebb-a436-4f96f84b9577" providerId="ADAL" clId="{99863556-EDB4-416E-A189-D7BEBC9D2890}" dt="2025-04-08T19:50:30.182" v="101" actId="478"/>
-          <ac:spMkLst>
-            <pc:docMk/>
-            <pc:sldMk cId="3064181911" sldId="295"/>
-            <ac:spMk id="4" creationId="{A1141550-684F-4D36-969A-96D6A430975F}"/>
-          </ac:spMkLst>
-        </pc:spChg>
         <pc:spChg chg="add mod">
           <ac:chgData name="Marcos Maillot" userId="fa14b39d-e966-4ebb-a436-4f96f84b9577" providerId="ADAL" clId="{99863556-EDB4-416E-A189-D7BEBC9D2890}" dt="2025-04-08T19:50:01.535" v="94" actId="1076"/>
           <ac:spMkLst>
@@ -485,30 +485,6 @@
             <pc:docMk/>
             <pc:sldMk cId="3064181911" sldId="295"/>
             <ac:spMk id="11" creationId="{6EE894D3-9313-884A-867C-991982DDDFD3}"/>
-          </ac:spMkLst>
-        </pc:spChg>
-        <pc:spChg chg="del">
-          <ac:chgData name="Marcos Maillot" userId="fa14b39d-e966-4ebb-a436-4f96f84b9577" providerId="ADAL" clId="{99863556-EDB4-416E-A189-D7BEBC9D2890}" dt="2025-04-08T19:48:54.980" v="82" actId="478"/>
-          <ac:spMkLst>
-            <pc:docMk/>
-            <pc:sldMk cId="3064181911" sldId="295"/>
-            <ac:spMk id="236" creationId="{ECD4885D-AB82-54C2-0178-204B4C7412DE}"/>
-          </ac:spMkLst>
-        </pc:spChg>
-        <pc:spChg chg="del">
-          <ac:chgData name="Marcos Maillot" userId="fa14b39d-e966-4ebb-a436-4f96f84b9577" providerId="ADAL" clId="{99863556-EDB4-416E-A189-D7BEBC9D2890}" dt="2025-04-08T19:48:57.170" v="83" actId="478"/>
-          <ac:spMkLst>
-            <pc:docMk/>
-            <pc:sldMk cId="3064181911" sldId="295"/>
-            <ac:spMk id="237" creationId="{8DB810FF-CFB6-84BD-52CF-5E9CBC1A6ECF}"/>
-          </ac:spMkLst>
-        </pc:spChg>
-        <pc:spChg chg="del">
-          <ac:chgData name="Marcos Maillot" userId="fa14b39d-e966-4ebb-a436-4f96f84b9577" providerId="ADAL" clId="{99863556-EDB4-416E-A189-D7BEBC9D2890}" dt="2025-04-08T19:48:58.430" v="84" actId="478"/>
-          <ac:spMkLst>
-            <pc:docMk/>
-            <pc:sldMk cId="3064181911" sldId="295"/>
-            <ac:spMk id="238" creationId="{33599D22-3C2C-51B8-02B3-56A15181C691}"/>
           </ac:spMkLst>
         </pc:spChg>
         <pc:spChg chg="mod">
@@ -558,14 +534,6 @@
             <ac:spMk id="8" creationId="{BC4E8ACB-9FB5-EF51-BBFD-4D43E4723E28}"/>
           </ac:spMkLst>
         </pc:spChg>
-        <pc:spChg chg="del">
-          <ac:chgData name="Marcos Maillot" userId="fa14b39d-e966-4ebb-a436-4f96f84b9577" providerId="ADAL" clId="{99863556-EDB4-416E-A189-D7BEBC9D2890}" dt="2025-04-08T19:57:50.419" v="124" actId="478"/>
-          <ac:spMkLst>
-            <pc:docMk/>
-            <pc:sldMk cId="238751435" sldId="296"/>
-            <ac:spMk id="10" creationId="{0812F952-E29C-E7A6-00B6-0967590B352E}"/>
-          </ac:spMkLst>
-        </pc:spChg>
         <pc:spChg chg="mod">
           <ac:chgData name="Marcos Maillot" userId="fa14b39d-e966-4ebb-a436-4f96f84b9577" providerId="ADAL" clId="{99863556-EDB4-416E-A189-D7BEBC9D2890}" dt="2025-04-08T19:59:28.520" v="129" actId="1076"/>
           <ac:spMkLst>
@@ -574,52 +542,12 @@
             <ac:spMk id="239" creationId="{95CA89FD-2F4A-8478-5E4E-1D05F7CF1665}"/>
           </ac:spMkLst>
         </pc:spChg>
-        <pc:picChg chg="del">
-          <ac:chgData name="Marcos Maillot" userId="fa14b39d-e966-4ebb-a436-4f96f84b9577" providerId="ADAL" clId="{99863556-EDB4-416E-A189-D7BEBC9D2890}" dt="2025-04-08T19:54:51.865" v="103" actId="478"/>
-          <ac:picMkLst>
-            <pc:docMk/>
-            <pc:sldMk cId="238751435" sldId="296"/>
-            <ac:picMk id="2" creationId="{B735EFB8-330B-612B-DA24-58B9F8DF04EA}"/>
-          </ac:picMkLst>
-        </pc:picChg>
         <pc:picChg chg="add mod ord">
           <ac:chgData name="Marcos Maillot" userId="fa14b39d-e966-4ebb-a436-4f96f84b9577" providerId="ADAL" clId="{99863556-EDB4-416E-A189-D7BEBC9D2890}" dt="2025-04-08T19:59:30.073" v="130" actId="14100"/>
           <ac:picMkLst>
             <pc:docMk/>
             <pc:sldMk cId="238751435" sldId="296"/>
             <ac:picMk id="3" creationId="{BEBCD5B1-74EF-2478-979A-41633BC357D3}"/>
-          </ac:picMkLst>
-        </pc:picChg>
-        <pc:picChg chg="add del mod">
-          <ac:chgData name="Marcos Maillot" userId="fa14b39d-e966-4ebb-a436-4f96f84b9577" providerId="ADAL" clId="{99863556-EDB4-416E-A189-D7BEBC9D2890}" dt="2025-04-08T20:00:51.115" v="134" actId="478"/>
-          <ac:picMkLst>
-            <pc:docMk/>
-            <pc:sldMk cId="238751435" sldId="296"/>
-            <ac:picMk id="5" creationId="{3904BC33-69EB-643D-AFFD-154A492245DC}"/>
-          </ac:picMkLst>
-        </pc:picChg>
-        <pc:picChg chg="add del mod">
-          <ac:chgData name="Marcos Maillot" userId="fa14b39d-e966-4ebb-a436-4f96f84b9577" providerId="ADAL" clId="{99863556-EDB4-416E-A189-D7BEBC9D2890}" dt="2025-04-08T20:00:51.115" v="134" actId="478"/>
-          <ac:picMkLst>
-            <pc:docMk/>
-            <pc:sldMk cId="238751435" sldId="296"/>
-            <ac:picMk id="7" creationId="{1CBED918-56CB-4CD7-AE1E-024AE58D4827}"/>
-          </ac:picMkLst>
-        </pc:picChg>
-        <pc:picChg chg="add del mod">
-          <ac:chgData name="Marcos Maillot" userId="fa14b39d-e966-4ebb-a436-4f96f84b9577" providerId="ADAL" clId="{99863556-EDB4-416E-A189-D7BEBC9D2890}" dt="2025-04-08T20:00:51.115" v="134" actId="478"/>
-          <ac:picMkLst>
-            <pc:docMk/>
-            <pc:sldMk cId="238751435" sldId="296"/>
-            <ac:picMk id="9" creationId="{35E94561-B17B-3AAC-31B5-A5E4165F9614}"/>
-          </ac:picMkLst>
-        </pc:picChg>
-        <pc:picChg chg="add del mod">
-          <ac:chgData name="Marcos Maillot" userId="fa14b39d-e966-4ebb-a436-4f96f84b9577" providerId="ADAL" clId="{99863556-EDB4-416E-A189-D7BEBC9D2890}" dt="2025-04-08T20:00:51.115" v="134" actId="478"/>
-          <ac:picMkLst>
-            <pc:docMk/>
-            <pc:sldMk cId="238751435" sldId="296"/>
-            <ac:picMk id="11" creationId="{A5AC4C61-BB67-8248-9C16-48941FC60D1B}"/>
           </ac:picMkLst>
         </pc:picChg>
       </pc:sldChg>
@@ -22392,7 +22320,7 @@
                   <a:schemeClr val="dk2"/>
                 </a:solidFill>
               </a:rPr>
-              <a:t>. Neurona recurrente básica</a:t>
+              <a:t>. Neurona recurrente básica. Unfolding de una RNN.</a:t>
             </a:r>
             <a:endParaRPr dirty="0">
               <a:solidFill>
@@ -22533,7 +22461,7 @@
                   <a:schemeClr val="dk2"/>
                 </a:solidFill>
               </a:rPr>
-              <a:t>. Implementación (práctica - predecir serie temporal) </a:t>
+              <a:t>. Implementación (práctica - predecir serie temporal – práctica 2) </a:t>
             </a:r>
             <a:endParaRPr dirty="0">
               <a:solidFill>
